--- a/Examples/Presentations/Resource Management.pptx
+++ b/Examples/Presentations/Resource Management.pptx
@@ -4209,8 +4209,12 @@
           <a:lstStyle/>
           <a:p>
             <a:r>
-              <a:rPr lang="en-US" dirty="0"/>
-              <a:t>Relapsing can be tricky </a:t>
+              <a:rPr lang="en-US"/>
+              <a:t>Releasing can </a:t>
+            </a:r>
+            <a:r>
+              <a:rPr lang="en-US" dirty="0"/>
+              <a:t>be tricky </a:t>
             </a:r>
           </a:p>
           <a:p>
